--- a/conf tuebingen 2020-06/partners_in_crime.pptx
+++ b/conf tuebingen 2020-06/partners_in_crime.pptx
@@ -5,13 +5,14 @@
     <p:sldMasterId id="2147483648" r:id="rId1"/>
   </p:sldMasterIdLst>
   <p:notesMasterIdLst>
-    <p:notesMasterId r:id="rId3"/>
+    <p:notesMasterId r:id="rId4"/>
   </p:notesMasterIdLst>
   <p:handoutMasterIdLst>
-    <p:handoutMasterId r:id="rId4"/>
+    <p:handoutMasterId r:id="rId5"/>
   </p:handoutMasterIdLst>
   <p:sldIdLst>
     <p:sldId id="318" r:id="rId2"/>
+    <p:sldId id="319" r:id="rId3"/>
   </p:sldIdLst>
   <p:sldSz cx="9144000" cy="6858000" type="screen4x3"/>
   <p:notesSz cx="6858000" cy="9144000"/>
@@ -223,7 +224,7 @@
           <a:p>
             <a:fld id="{92974F8B-3F16-FF4B-BE74-3A9AC4E40864}" type="datetimeFigureOut">
               <a:rPr lang="en-US" smtClean="0"/>
-              <a:t>6/8/20</a:t>
+              <a:t>6/9/20</a:t>
             </a:fld>
             <a:endParaRPr lang="en-US"/>
           </a:p>
@@ -400,7 +401,7 @@
           <a:p>
             <a:fld id="{83DF888A-E6CB-DE44-BAE3-969E927642AA}" type="datetimeFigureOut">
               <a:rPr lang="en-US" smtClean="0"/>
-              <a:t>6/8/20</a:t>
+              <a:t>6/9/20</a:t>
             </a:fld>
             <a:endParaRPr lang="en-US"/>
           </a:p>
@@ -768,6 +769,107 @@
 </p:notes>
 </file>
 
+<file path=ppt/notesSlides/notesSlide2.xml><?xml version="1.0" encoding="utf-8"?>
+<p:notes xmlns:a="http://schemas.openxmlformats.org/drawingml/2006/main" xmlns:r="http://schemas.openxmlformats.org/officeDocument/2006/relationships" xmlns:p="http://schemas.openxmlformats.org/presentationml/2006/main">
+  <p:cSld>
+    <p:spTree>
+      <p:nvGrpSpPr>
+        <p:cNvPr id="1" name=""/>
+        <p:cNvGrpSpPr/>
+        <p:nvPr/>
+      </p:nvGrpSpPr>
+      <p:grpSpPr>
+        <a:xfrm>
+          <a:off x="0" y="0"/>
+          <a:ext cx="0" cy="0"/>
+          <a:chOff x="0" y="0"/>
+          <a:chExt cx="0" cy="0"/>
+        </a:xfrm>
+      </p:grpSpPr>
+      <p:sp>
+        <p:nvSpPr>
+          <p:cNvPr id="2" name="Slide Image Placeholder 1"/>
+          <p:cNvSpPr>
+            <a:spLocks noGrp="1" noRot="1" noChangeAspect="1"/>
+          </p:cNvSpPr>
+          <p:nvPr>
+            <p:ph type="sldImg"/>
+          </p:nvPr>
+        </p:nvSpPr>
+        <p:spPr/>
+      </p:sp>
+      <p:sp>
+        <p:nvSpPr>
+          <p:cNvPr id="3" name="Notes Placeholder 2"/>
+          <p:cNvSpPr>
+            <a:spLocks noGrp="1"/>
+          </p:cNvSpPr>
+          <p:nvPr>
+            <p:ph type="body" idx="1"/>
+          </p:nvPr>
+        </p:nvSpPr>
+        <p:spPr/>
+        <p:txBody>
+          <a:bodyPr/>
+          <a:lstStyle/>
+          <a:p>
+            <a:pPr marL="0" marR="0" lvl="0" indent="0" algn="l" defTabSz="914400" rtl="0" eaLnBrk="1" fontAlgn="auto" latinLnBrk="0" hangingPunct="1">
+              <a:lnSpc>
+                <a:spcPct val="100000"/>
+              </a:lnSpc>
+              <a:spcBef>
+                <a:spcPts val="0"/>
+              </a:spcBef>
+              <a:spcAft>
+                <a:spcPts val="0"/>
+              </a:spcAft>
+              <a:buClrTx/>
+              <a:buSzTx/>
+              <a:buFontTx/>
+              <a:buNone/>
+              <a:tabLst/>
+              <a:defRPr/>
+            </a:pPr>
+            <a:endParaRPr lang="en-US" dirty="0"/>
+          </a:p>
+        </p:txBody>
+      </p:sp>
+      <p:sp>
+        <p:nvSpPr>
+          <p:cNvPr id="4" name="Slide Number Placeholder 3"/>
+          <p:cNvSpPr>
+            <a:spLocks noGrp="1"/>
+          </p:cNvSpPr>
+          <p:nvPr>
+            <p:ph type="sldNum" sz="quarter" idx="5"/>
+          </p:nvPr>
+        </p:nvSpPr>
+        <p:spPr/>
+        <p:txBody>
+          <a:bodyPr/>
+          <a:lstStyle/>
+          <a:p>
+            <a:fld id="{BD32E346-FAE4-4949-876E-0E186A20A035}" type="slidenum">
+              <a:rPr lang="en-US" smtClean="0"/>
+              <a:t>2</a:t>
+            </a:fld>
+            <a:endParaRPr lang="en-US"/>
+          </a:p>
+        </p:txBody>
+      </p:sp>
+    </p:spTree>
+    <p:extLst>
+      <p:ext uri="{BB962C8B-B14F-4D97-AF65-F5344CB8AC3E}">
+        <p14:creationId xmlns:p14="http://schemas.microsoft.com/office/powerpoint/2010/main" val="2816106960"/>
+      </p:ext>
+    </p:extLst>
+  </p:cSld>
+  <p:clrMapOvr>
+    <a:masterClrMapping/>
+  </p:clrMapOvr>
+</p:notes>
+</file>
+
 <file path=ppt/slideLayouts/slideLayout1.xml><?xml version="1.0" encoding="utf-8"?>
 <p:sldLayout xmlns:a="http://schemas.openxmlformats.org/drawingml/2006/main" xmlns:r="http://schemas.openxmlformats.org/officeDocument/2006/relationships" xmlns:p="http://schemas.openxmlformats.org/presentationml/2006/main" type="title" preserve="1">
   <p:cSld name="Title Slide">
@@ -947,7 +1049,7 @@
           <a:p>
             <a:fld id="{723B147D-18CC-C345-BB66-ACCF54A1C46E}" type="datetimeFigureOut">
               <a:rPr lang="en-US" smtClean="0"/>
-              <a:t>6/8/20</a:t>
+              <a:t>6/9/20</a:t>
             </a:fld>
             <a:endParaRPr lang="en-US"/>
           </a:p>
@@ -1117,7 +1219,7 @@
           <a:p>
             <a:fld id="{723B147D-18CC-C345-BB66-ACCF54A1C46E}" type="datetimeFigureOut">
               <a:rPr lang="en-US" smtClean="0"/>
-              <a:t>6/8/20</a:t>
+              <a:t>6/9/20</a:t>
             </a:fld>
             <a:endParaRPr lang="en-US"/>
           </a:p>
@@ -1297,7 +1399,7 @@
           <a:p>
             <a:fld id="{723B147D-18CC-C345-BB66-ACCF54A1C46E}" type="datetimeFigureOut">
               <a:rPr lang="en-US" smtClean="0"/>
-              <a:t>6/8/20</a:t>
+              <a:t>6/9/20</a:t>
             </a:fld>
             <a:endParaRPr lang="en-US"/>
           </a:p>
@@ -1467,7 +1569,7 @@
           <a:p>
             <a:fld id="{723B147D-18CC-C345-BB66-ACCF54A1C46E}" type="datetimeFigureOut">
               <a:rPr lang="en-US" smtClean="0"/>
-              <a:t>6/8/20</a:t>
+              <a:t>6/9/20</a:t>
             </a:fld>
             <a:endParaRPr lang="en-US"/>
           </a:p>
@@ -1713,7 +1815,7 @@
           <a:p>
             <a:fld id="{723B147D-18CC-C345-BB66-ACCF54A1C46E}" type="datetimeFigureOut">
               <a:rPr lang="en-US" smtClean="0"/>
-              <a:t>6/8/20</a:t>
+              <a:t>6/9/20</a:t>
             </a:fld>
             <a:endParaRPr lang="en-US"/>
           </a:p>
@@ -2001,7 +2103,7 @@
           <a:p>
             <a:fld id="{723B147D-18CC-C345-BB66-ACCF54A1C46E}" type="datetimeFigureOut">
               <a:rPr lang="en-US" smtClean="0"/>
-              <a:t>6/8/20</a:t>
+              <a:t>6/9/20</a:t>
             </a:fld>
             <a:endParaRPr lang="en-US"/>
           </a:p>
@@ -2423,7 +2525,7 @@
           <a:p>
             <a:fld id="{723B147D-18CC-C345-BB66-ACCF54A1C46E}" type="datetimeFigureOut">
               <a:rPr lang="en-US" smtClean="0"/>
-              <a:t>6/8/20</a:t>
+              <a:t>6/9/20</a:t>
             </a:fld>
             <a:endParaRPr lang="en-US"/>
           </a:p>
@@ -2541,7 +2643,7 @@
           <a:p>
             <a:fld id="{723B147D-18CC-C345-BB66-ACCF54A1C46E}" type="datetimeFigureOut">
               <a:rPr lang="en-US" smtClean="0"/>
-              <a:t>6/8/20</a:t>
+              <a:t>6/9/20</a:t>
             </a:fld>
             <a:endParaRPr lang="en-US"/>
           </a:p>
@@ -2636,7 +2738,7 @@
           <a:p>
             <a:fld id="{723B147D-18CC-C345-BB66-ACCF54A1C46E}" type="datetimeFigureOut">
               <a:rPr lang="en-US" smtClean="0"/>
-              <a:t>6/8/20</a:t>
+              <a:t>6/9/20</a:t>
             </a:fld>
             <a:endParaRPr lang="en-US"/>
           </a:p>
@@ -2913,7 +3015,7 @@
           <a:p>
             <a:fld id="{723B147D-18CC-C345-BB66-ACCF54A1C46E}" type="datetimeFigureOut">
               <a:rPr lang="en-US" smtClean="0"/>
-              <a:t>6/8/20</a:t>
+              <a:t>6/9/20</a:t>
             </a:fld>
             <a:endParaRPr lang="en-US"/>
           </a:p>
@@ -3166,7 +3268,7 @@
           <a:p>
             <a:fld id="{723B147D-18CC-C345-BB66-ACCF54A1C46E}" type="datetimeFigureOut">
               <a:rPr lang="en-US" smtClean="0"/>
-              <a:t>6/8/20</a:t>
+              <a:t>6/9/20</a:t>
             </a:fld>
             <a:endParaRPr lang="en-US"/>
           </a:p>
@@ -3380,7 +3482,7 @@
           <a:p>
             <a:fld id="{723B147D-18CC-C345-BB66-ACCF54A1C46E}" type="datetimeFigureOut">
               <a:rPr lang="en-US" smtClean="0"/>
-              <a:t>6/8/20</a:t>
+              <a:t>6/9/20</a:t>
             </a:fld>
             <a:endParaRPr lang="en-US"/>
           </a:p>
@@ -4842,10 +4944,1233 @@
           </a:p>
         </p:txBody>
       </p:sp>
+      <p:pic>
+        <p:nvPicPr>
+          <p:cNvPr id="1026" name="Picture 2" descr="FRANK SINATRA MUG SHOT GLOSSY POSTER PICTURE PHOTO mugshot ...">
+            <a:extLst>
+              <a:ext uri="{FF2B5EF4-FFF2-40B4-BE49-F238E27FC236}">
+                <a16:creationId xmlns:a16="http://schemas.microsoft.com/office/drawing/2014/main" id="{66A0F56E-EA89-D14B-A07E-51B53BB0CA5E}"/>
+              </a:ext>
+            </a:extLst>
+          </p:cNvPr>
+          <p:cNvPicPr>
+            <a:picLocks noChangeAspect="1" noChangeArrowheads="1"/>
+          </p:cNvPicPr>
+          <p:nvPr/>
+        </p:nvPicPr>
+        <p:blipFill rotWithShape="1">
+          <a:blip r:embed="rId16">
+            <a:extLst>
+              <a:ext uri="{BEBA8EAE-BF5A-486C-A8C5-ECC9F3942E4B}">
+                <a14:imgProps xmlns:a14="http://schemas.microsoft.com/office/drawing/2010/main">
+                  <a14:imgLayer r:embed="rId17">
+                    <a14:imgEffect>
+                      <a14:backgroundRemoval t="4071" b="30407" l="7100" r="36000">
+                        <a14:foregroundMark x1="7100" y1="17557" x2="8600" y2="24427"/>
+                        <a14:foregroundMark x1="34200" y1="20102" x2="34900" y2="25827"/>
+                        <a14:foregroundMark x1="34400" y1="30534" x2="36000" y2="22010"/>
+                        <a14:foregroundMark x1="19500" y1="4071" x2="24800" y2="4580"/>
+                        <a14:foregroundMark x1="16000" y1="5471" x2="16000" y2="5471"/>
+                        <a14:foregroundMark x1="16000" y1="5471" x2="16700" y2="6361"/>
+                        <a14:foregroundMark x1="26500" y1="23155" x2="26500" y2="23155"/>
+                        <a14:foregroundMark x1="26500" y1="22392" x2="26500" y2="22392"/>
+                      </a14:backgroundRemoval>
+                    </a14:imgEffect>
+                  </a14:imgLayer>
+                </a14:imgProps>
+              </a:ext>
+              <a:ext uri="{28A0092B-C50C-407E-A947-70E740481C1C}">
+                <a14:useLocalDpi xmlns:a14="http://schemas.microsoft.com/office/drawing/2010/main" val="0"/>
+              </a:ext>
+            </a:extLst>
+          </a:blip>
+          <a:srcRect l="4339" t="6977" r="62117" b="69446"/>
+          <a:stretch/>
+        </p:blipFill>
+        <p:spPr bwMode="auto">
+          <a:xfrm>
+            <a:off x="615469" y="797696"/>
+            <a:ext cx="1810336" cy="1000120"/>
+          </a:xfrm>
+          <a:prstGeom prst="rect">
+            <a:avLst/>
+          </a:prstGeom>
+          <a:noFill/>
+          <a:extLst>
+            <a:ext uri="{909E8E84-426E-40DD-AFC4-6F175D3DCCD1}">
+              <a14:hiddenFill xmlns:a14="http://schemas.microsoft.com/office/drawing/2010/main">
+                <a:solidFill>
+                  <a:srgbClr val="FFFFFF"/>
+                </a:solidFill>
+              </a14:hiddenFill>
+            </a:ext>
+          </a:extLst>
+        </p:spPr>
+      </p:pic>
     </p:spTree>
     <p:extLst>
       <p:ext uri="{BB962C8B-B14F-4D97-AF65-F5344CB8AC3E}">
         <p14:creationId xmlns:p14="http://schemas.microsoft.com/office/powerpoint/2010/main" val="562610473"/>
+      </p:ext>
+    </p:extLst>
+  </p:cSld>
+  <p:clrMapOvr>
+    <a:masterClrMapping/>
+  </p:clrMapOvr>
+</p:sld>
+</file>
+
+<file path=ppt/slides/slide2.xml><?xml version="1.0" encoding="utf-8"?>
+<p:sld xmlns:a="http://schemas.openxmlformats.org/drawingml/2006/main" xmlns:r="http://schemas.openxmlformats.org/officeDocument/2006/relationships" xmlns:p="http://schemas.openxmlformats.org/presentationml/2006/main">
+  <p:cSld>
+    <p:spTree>
+      <p:nvGrpSpPr>
+        <p:cNvPr id="1" name=""/>
+        <p:cNvGrpSpPr/>
+        <p:nvPr/>
+      </p:nvGrpSpPr>
+      <p:grpSpPr>
+        <a:xfrm>
+          <a:off x="0" y="0"/>
+          <a:ext cx="0" cy="0"/>
+          <a:chOff x="0" y="0"/>
+          <a:chExt cx="0" cy="0"/>
+        </a:xfrm>
+      </p:grpSpPr>
+      <p:pic>
+        <p:nvPicPr>
+          <p:cNvPr id="1026" name="Picture 2">
+            <a:extLst>
+              <a:ext uri="{FF2B5EF4-FFF2-40B4-BE49-F238E27FC236}">
+                <a16:creationId xmlns:a16="http://schemas.microsoft.com/office/drawing/2014/main" id="{E5895C5E-F2DE-B346-AF0F-D88234523AB9}"/>
+              </a:ext>
+            </a:extLst>
+          </p:cNvPr>
+          <p:cNvPicPr>
+            <a:picLocks noChangeAspect="1" noChangeArrowheads="1"/>
+          </p:cNvPicPr>
+          <p:nvPr/>
+        </p:nvPicPr>
+        <p:blipFill>
+          <a:blip r:embed="rId3">
+            <a:extLst>
+              <a:ext uri="{28A0092B-C50C-407E-A947-70E740481C1C}">
+                <a14:useLocalDpi xmlns:a14="http://schemas.microsoft.com/office/drawing/2010/main" val="0"/>
+              </a:ext>
+            </a:extLst>
+          </a:blip>
+          <a:srcRect/>
+          <a:stretch>
+            <a:fillRect/>
+          </a:stretch>
+        </p:blipFill>
+        <p:spPr bwMode="auto">
+          <a:xfrm>
+            <a:off x="3246327" y="826438"/>
+            <a:ext cx="2535141" cy="3446133"/>
+          </a:xfrm>
+          <a:prstGeom prst="rect">
+            <a:avLst/>
+          </a:prstGeom>
+          <a:noFill/>
+          <a:extLst>
+            <a:ext uri="{909E8E84-426E-40DD-AFC4-6F175D3DCCD1}">
+              <a14:hiddenFill xmlns:a14="http://schemas.microsoft.com/office/drawing/2010/main">
+                <a:solidFill>
+                  <a:srgbClr val="FFFFFF"/>
+                </a:solidFill>
+              </a14:hiddenFill>
+            </a:ext>
+          </a:extLst>
+        </p:spPr>
+      </p:pic>
+      <p:pic>
+        <p:nvPicPr>
+          <p:cNvPr id="15" name="Picture 14" descr="A person smiling for the camera&#10;&#10;Description automatically generated">
+            <a:extLst>
+              <a:ext uri="{FF2B5EF4-FFF2-40B4-BE49-F238E27FC236}">
+                <a16:creationId xmlns:a16="http://schemas.microsoft.com/office/drawing/2014/main" id="{6E61C739-0AAD-C941-9A21-F2C61614B59E}"/>
+              </a:ext>
+            </a:extLst>
+          </p:cNvPr>
+          <p:cNvPicPr>
+            <a:picLocks noChangeAspect="1"/>
+          </p:cNvPicPr>
+          <p:nvPr/>
+        </p:nvPicPr>
+        <p:blipFill rotWithShape="1">
+          <a:blip r:embed="rId4">
+            <a:extLst>
+              <a:ext uri="{BEBA8EAE-BF5A-486C-A8C5-ECC9F3942E4B}">
+                <a14:imgProps xmlns:a14="http://schemas.microsoft.com/office/drawing/2010/main">
+                  <a14:imgLayer r:embed="rId5">
+                    <a14:imgEffect>
+                      <a14:backgroundRemoval t="0" b="89974" l="10000" r="90000">
+                        <a14:foregroundMark x1="16467" y1="5453" x2="50867" y2="6596"/>
+                        <a14:foregroundMark x1="50867" y1="6596" x2="52667" y2="24978"/>
+                        <a14:foregroundMark x1="58933" y1="18821" x2="57133" y2="4222"/>
+                        <a14:foregroundMark x1="57133" y1="4222" x2="48933" y2="1935"/>
+                        <a14:foregroundMark x1="48933" y1="1935" x2="29067" y2="5365"/>
+                        <a14:foregroundMark x1="29067" y1="5365" x2="22400" y2="2199"/>
+                        <a14:foregroundMark x1="22400" y1="2199" x2="17000" y2="2023"/>
+                        <a14:foregroundMark x1="17000" y1="2023" x2="13533" y2="8179"/>
+                        <a14:foregroundMark x1="13533" y1="8179" x2="12400" y2="25594"/>
+                        <a14:foregroundMark x1="18933" y1="56288" x2="22267" y2="63412"/>
+                        <a14:foregroundMark x1="22267" y1="63412" x2="36200" y2="78452"/>
+                        <a14:foregroundMark x1="36200" y1="78452" x2="41800" y2="77133"/>
+                        <a14:foregroundMark x1="41800" y1="77133" x2="47067" y2="68865"/>
+                        <a14:foregroundMark x1="20733" y1="62269" x2="23133" y2="68602"/>
+                        <a14:foregroundMark x1="23133" y1="68602" x2="26267" y2="72032"/>
+                        <a14:foregroundMark x1="26867" y1="73879" x2="36267" y2="77045"/>
+                        <a14:foregroundMark x1="59000" y1="8267" x2="55933" y2="0"/>
+                        <a14:backgroundMark x1="38867" y1="85576" x2="42267" y2="85928"/>
+                        <a14:backgroundMark x1="32867" y1="84345" x2="47267" y2="80563"/>
+                        <a14:backgroundMark x1="64067" y1="8267" x2="64067" y2="27617"/>
+                      </a14:backgroundRemoval>
+                    </a14:imgEffect>
+                    <a14:imgEffect>
+                      <a14:colorTemperature colorTemp="8800"/>
+                    </a14:imgEffect>
+                  </a14:imgLayer>
+                </a14:imgProps>
+              </a:ext>
+            </a:extLst>
+          </a:blip>
+          <a:srcRect t="1227"/>
+          <a:stretch/>
+        </p:blipFill>
+        <p:spPr>
+          <a:xfrm>
+            <a:off x="3206837" y="1322808"/>
+            <a:ext cx="2802508" cy="2095312"/>
+          </a:xfrm>
+          <a:prstGeom prst="rect">
+            <a:avLst/>
+          </a:prstGeom>
+        </p:spPr>
+      </p:pic>
+      <p:grpSp>
+        <p:nvGrpSpPr>
+          <p:cNvPr id="31" name="Group 30">
+            <a:extLst>
+              <a:ext uri="{FF2B5EF4-FFF2-40B4-BE49-F238E27FC236}">
+                <a16:creationId xmlns:a16="http://schemas.microsoft.com/office/drawing/2014/main" id="{5ABE9309-F91D-914F-B304-50ED810011DA}"/>
+              </a:ext>
+            </a:extLst>
+          </p:cNvPr>
+          <p:cNvGrpSpPr/>
+          <p:nvPr/>
+        </p:nvGrpSpPr>
+        <p:grpSpPr>
+          <a:xfrm>
+            <a:off x="32558" y="386700"/>
+            <a:ext cx="3312669" cy="4546632"/>
+            <a:chOff x="-132347" y="1778466"/>
+            <a:chExt cx="3263917" cy="4479720"/>
+          </a:xfrm>
+        </p:grpSpPr>
+        <p:grpSp>
+          <p:nvGrpSpPr>
+            <p:cNvPr id="9" name="Group 8">
+              <a:extLst>
+                <a:ext uri="{FF2B5EF4-FFF2-40B4-BE49-F238E27FC236}">
+                  <a16:creationId xmlns:a16="http://schemas.microsoft.com/office/drawing/2014/main" id="{26DE8F8D-2AAE-2640-AB79-39602A9BF524}"/>
+                </a:ext>
+              </a:extLst>
+            </p:cNvPr>
+            <p:cNvGrpSpPr/>
+            <p:nvPr/>
+          </p:nvGrpSpPr>
+          <p:grpSpPr>
+            <a:xfrm>
+              <a:off x="-132347" y="1998088"/>
+              <a:ext cx="3143521" cy="3919135"/>
+              <a:chOff x="1702676" y="3429000"/>
+              <a:chExt cx="2480441" cy="3092450"/>
+            </a:xfrm>
+          </p:grpSpPr>
+          <p:pic>
+            <p:nvPicPr>
+              <p:cNvPr id="10" name="Picture 4" descr="Frank Sinatra - arrest mug shot | Frank Sinatra was ...">
+                <a:extLst>
+                  <a:ext uri="{FF2B5EF4-FFF2-40B4-BE49-F238E27FC236}">
+                    <a16:creationId xmlns:a16="http://schemas.microsoft.com/office/drawing/2014/main" id="{8E2F6B2E-9B0F-3048-9B6C-1AFB1890B5A2}"/>
+                  </a:ext>
+                </a:extLst>
+              </p:cNvPr>
+              <p:cNvPicPr>
+                <a:picLocks noChangeAspect="1" noChangeArrowheads="1"/>
+              </p:cNvPicPr>
+              <p:nvPr/>
+            </p:nvPicPr>
+            <p:blipFill rotWithShape="1">
+              <a:blip r:embed="rId6">
+                <a:extLst>
+                  <a:ext uri="{28A0092B-C50C-407E-A947-70E740481C1C}">
+                    <a14:useLocalDpi xmlns:a14="http://schemas.microsoft.com/office/drawing/2010/main" val="0"/>
+                  </a:ext>
+                </a:extLst>
+              </a:blip>
+              <a:srcRect r="50830"/>
+              <a:stretch/>
+            </p:blipFill>
+            <p:spPr bwMode="auto">
+              <a:xfrm>
+                <a:off x="2032000" y="3534032"/>
+                <a:ext cx="1930400" cy="2987418"/>
+              </a:xfrm>
+              <a:prstGeom prst="rect">
+                <a:avLst/>
+              </a:prstGeom>
+              <a:noFill/>
+              <a:extLst>
+                <a:ext uri="{909E8E84-426E-40DD-AFC4-6F175D3DCCD1}">
+                  <a14:hiddenFill xmlns:a14="http://schemas.microsoft.com/office/drawing/2010/main">
+                    <a:solidFill>
+                      <a:srgbClr val="FFFFFF"/>
+                    </a:solidFill>
+                  </a14:hiddenFill>
+                </a:ext>
+              </a:extLst>
+            </p:spPr>
+          </p:pic>
+          <p:pic>
+            <p:nvPicPr>
+              <p:cNvPr id="11" name="Picture 2">
+                <a:extLst>
+                  <a:ext uri="{FF2B5EF4-FFF2-40B4-BE49-F238E27FC236}">
+                    <a16:creationId xmlns:a16="http://schemas.microsoft.com/office/drawing/2014/main" id="{6D73F10E-ED33-CD48-AB54-EE39651871EC}"/>
+                  </a:ext>
+                </a:extLst>
+              </p:cNvPr>
+              <p:cNvPicPr>
+                <a:picLocks noChangeAspect="1" noChangeArrowheads="1"/>
+              </p:cNvPicPr>
+              <p:nvPr/>
+            </p:nvPicPr>
+            <p:blipFill rotWithShape="1">
+              <a:blip r:embed="rId7">
+                <a:extLst>
+                  <a:ext uri="{BEBA8EAE-BF5A-486C-A8C5-ECC9F3942E4B}">
+                    <a14:imgProps xmlns:a14="http://schemas.microsoft.com/office/drawing/2010/main">
+                      <a14:imgLayer r:embed="rId8">
+                        <a14:imgEffect>
+                          <a14:backgroundRemoval t="10000" b="90000" l="10000" r="90000"/>
+                        </a14:imgEffect>
+                        <a14:imgEffect>
+                          <a14:saturation sat="0"/>
+                        </a14:imgEffect>
+                        <a14:imgEffect>
+                          <a14:brightnessContrast contrast="40000"/>
+                        </a14:imgEffect>
+                      </a14:imgLayer>
+                    </a14:imgProps>
+                  </a:ext>
+                  <a:ext uri="{28A0092B-C50C-407E-A947-70E740481C1C}">
+                    <a14:useLocalDpi xmlns:a14="http://schemas.microsoft.com/office/drawing/2010/main" val="0"/>
+                  </a:ext>
+                </a:extLst>
+              </a:blip>
+              <a:srcRect t="-1" b="27619"/>
+              <a:stretch/>
+            </p:blipFill>
+            <p:spPr bwMode="auto">
+              <a:xfrm>
+                <a:off x="1702676" y="3429000"/>
+                <a:ext cx="2480441" cy="2130504"/>
+              </a:xfrm>
+              <a:prstGeom prst="rect">
+                <a:avLst/>
+              </a:prstGeom>
+              <a:noFill/>
+              <a:extLst>
+                <a:ext uri="{909E8E84-426E-40DD-AFC4-6F175D3DCCD1}">
+                  <a14:hiddenFill xmlns:a14="http://schemas.microsoft.com/office/drawing/2010/main">
+                    <a:solidFill>
+                      <a:srgbClr val="FFFFFF"/>
+                    </a:solidFill>
+                  </a14:hiddenFill>
+                </a:ext>
+              </a:extLst>
+            </p:spPr>
+          </p:pic>
+        </p:grpSp>
+        <p:sp>
+          <p:nvSpPr>
+            <p:cNvPr id="2" name="Rectangle 1">
+              <a:extLst>
+                <a:ext uri="{FF2B5EF4-FFF2-40B4-BE49-F238E27FC236}">
+                  <a16:creationId xmlns:a16="http://schemas.microsoft.com/office/drawing/2014/main" id="{7F2D6C5F-A47A-9748-8CA6-E837B99EFB71}"/>
+                </a:ext>
+              </a:extLst>
+            </p:cNvPr>
+            <p:cNvSpPr/>
+            <p:nvPr/>
+          </p:nvSpPr>
+          <p:spPr>
+            <a:xfrm>
+              <a:off x="184558" y="1778466"/>
+              <a:ext cx="2826616" cy="436228"/>
+            </a:xfrm>
+            <a:prstGeom prst="rect">
+              <a:avLst/>
+            </a:prstGeom>
+            <a:solidFill>
+              <a:schemeClr val="tx1"/>
+            </a:solidFill>
+            <a:ln w="19050" cmpd="sng">
+              <a:noFill/>
+            </a:ln>
+            <a:effectLst/>
+          </p:spPr>
+          <p:style>
+            <a:lnRef idx="1">
+              <a:schemeClr val="accent1"/>
+            </a:lnRef>
+            <a:fillRef idx="3">
+              <a:schemeClr val="accent1"/>
+            </a:fillRef>
+            <a:effectRef idx="2">
+              <a:schemeClr val="accent1"/>
+            </a:effectRef>
+            <a:fontRef idx="minor">
+              <a:schemeClr val="lt1"/>
+            </a:fontRef>
+          </p:style>
+          <p:txBody>
+            <a:bodyPr rtlCol="0" anchor="ctr"/>
+            <a:lstStyle/>
+            <a:p>
+              <a:pPr algn="ctr"/>
+              <a:endParaRPr lang="en-US"/>
+            </a:p>
+          </p:txBody>
+        </p:sp>
+        <p:sp>
+          <p:nvSpPr>
+            <p:cNvPr id="23" name="Rectangle 22">
+              <a:extLst>
+                <a:ext uri="{FF2B5EF4-FFF2-40B4-BE49-F238E27FC236}">
+                  <a16:creationId xmlns:a16="http://schemas.microsoft.com/office/drawing/2014/main" id="{C7C470D2-F21E-894E-9412-CAA5FFC1FFAB}"/>
+                </a:ext>
+              </a:extLst>
+            </p:cNvPr>
+            <p:cNvSpPr/>
+            <p:nvPr/>
+          </p:nvSpPr>
+          <p:spPr>
+            <a:xfrm>
+              <a:off x="93536" y="2037579"/>
+              <a:ext cx="292358" cy="4220607"/>
+            </a:xfrm>
+            <a:prstGeom prst="rect">
+              <a:avLst/>
+            </a:prstGeom>
+            <a:solidFill>
+              <a:schemeClr val="tx1"/>
+            </a:solidFill>
+            <a:ln w="19050" cmpd="sng">
+              <a:noFill/>
+            </a:ln>
+            <a:effectLst/>
+          </p:spPr>
+          <p:style>
+            <a:lnRef idx="1">
+              <a:schemeClr val="accent1"/>
+            </a:lnRef>
+            <a:fillRef idx="3">
+              <a:schemeClr val="accent1"/>
+            </a:fillRef>
+            <a:effectRef idx="2">
+              <a:schemeClr val="accent1"/>
+            </a:effectRef>
+            <a:fontRef idx="minor">
+              <a:schemeClr val="lt1"/>
+            </a:fontRef>
+          </p:style>
+          <p:txBody>
+            <a:bodyPr rtlCol="0" anchor="ctr"/>
+            <a:lstStyle/>
+            <a:p>
+              <a:pPr algn="ctr"/>
+              <a:endParaRPr lang="en-US"/>
+            </a:p>
+          </p:txBody>
+        </p:sp>
+        <p:sp>
+          <p:nvSpPr>
+            <p:cNvPr id="26" name="Rectangle 25">
+              <a:extLst>
+                <a:ext uri="{FF2B5EF4-FFF2-40B4-BE49-F238E27FC236}">
+                  <a16:creationId xmlns:a16="http://schemas.microsoft.com/office/drawing/2014/main" id="{1D4D13BC-E91F-064D-9A6C-70829DBC90C5}"/>
+                </a:ext>
+              </a:extLst>
+            </p:cNvPr>
+            <p:cNvSpPr/>
+            <p:nvPr/>
+          </p:nvSpPr>
+          <p:spPr>
+            <a:xfrm>
+              <a:off x="304954" y="5738600"/>
+              <a:ext cx="2826616" cy="436228"/>
+            </a:xfrm>
+            <a:prstGeom prst="rect">
+              <a:avLst/>
+            </a:prstGeom>
+            <a:solidFill>
+              <a:schemeClr val="tx1"/>
+            </a:solidFill>
+            <a:ln w="19050" cmpd="sng">
+              <a:noFill/>
+            </a:ln>
+            <a:effectLst/>
+          </p:spPr>
+          <p:style>
+            <a:lnRef idx="1">
+              <a:schemeClr val="accent1"/>
+            </a:lnRef>
+            <a:fillRef idx="3">
+              <a:schemeClr val="accent1"/>
+            </a:fillRef>
+            <a:effectRef idx="2">
+              <a:schemeClr val="accent1"/>
+            </a:effectRef>
+            <a:fontRef idx="minor">
+              <a:schemeClr val="lt1"/>
+            </a:fontRef>
+          </p:style>
+          <p:txBody>
+            <a:bodyPr rtlCol="0" anchor="ctr"/>
+            <a:lstStyle/>
+            <a:p>
+              <a:pPr algn="ctr"/>
+              <a:endParaRPr lang="en-US"/>
+            </a:p>
+          </p:txBody>
+        </p:sp>
+      </p:grpSp>
+      <p:grpSp>
+        <p:nvGrpSpPr>
+          <p:cNvPr id="32" name="Group 31">
+            <a:extLst>
+              <a:ext uri="{FF2B5EF4-FFF2-40B4-BE49-F238E27FC236}">
+                <a16:creationId xmlns:a16="http://schemas.microsoft.com/office/drawing/2014/main" id="{C1EC771C-22C6-B94F-A94F-0AC4C5EE72E7}"/>
+              </a:ext>
+            </a:extLst>
+          </p:cNvPr>
+          <p:cNvGrpSpPr/>
+          <p:nvPr/>
+        </p:nvGrpSpPr>
+        <p:grpSpPr>
+          <a:xfrm>
+            <a:off x="5634319" y="406191"/>
+            <a:ext cx="3322886" cy="4715603"/>
+            <a:chOff x="5790559" y="1714768"/>
+            <a:chExt cx="3158431" cy="4482220"/>
+          </a:xfrm>
+        </p:grpSpPr>
+        <p:grpSp>
+          <p:nvGrpSpPr>
+            <p:cNvPr id="16" name="Group 15">
+              <a:extLst>
+                <a:ext uri="{FF2B5EF4-FFF2-40B4-BE49-F238E27FC236}">
+                  <a16:creationId xmlns:a16="http://schemas.microsoft.com/office/drawing/2014/main" id="{B3DA75A6-F256-0C48-B463-F8214521BD10}"/>
+                </a:ext>
+              </a:extLst>
+            </p:cNvPr>
+            <p:cNvGrpSpPr/>
+            <p:nvPr/>
+          </p:nvGrpSpPr>
+          <p:grpSpPr>
+            <a:xfrm>
+              <a:off x="6001978" y="1998088"/>
+              <a:ext cx="2873161" cy="3648265"/>
+              <a:chOff x="7925471" y="1371497"/>
+              <a:chExt cx="3709584" cy="4710334"/>
+            </a:xfrm>
+          </p:grpSpPr>
+          <p:grpSp>
+            <p:nvGrpSpPr>
+              <p:cNvPr id="18" name="Group 17">
+                <a:extLst>
+                  <a:ext uri="{FF2B5EF4-FFF2-40B4-BE49-F238E27FC236}">
+                    <a16:creationId xmlns:a16="http://schemas.microsoft.com/office/drawing/2014/main" id="{7B84DD7F-0A68-A647-BEFF-3F4D22B7913A}"/>
+                  </a:ext>
+                </a:extLst>
+              </p:cNvPr>
+              <p:cNvGrpSpPr/>
+              <p:nvPr/>
+            </p:nvGrpSpPr>
+            <p:grpSpPr>
+              <a:xfrm>
+                <a:off x="7925471" y="1371497"/>
+                <a:ext cx="3709584" cy="4710334"/>
+                <a:chOff x="8586952" y="3429000"/>
+                <a:chExt cx="2480441" cy="3149600"/>
+              </a:xfrm>
+            </p:grpSpPr>
+            <p:pic>
+              <p:nvPicPr>
+                <p:cNvPr id="20" name="Picture 6" descr="&quot;Small Town Noir&quot; - Vintage Mugshots from the 1930s to ...">
+                  <a:extLst>
+                    <a:ext uri="{FF2B5EF4-FFF2-40B4-BE49-F238E27FC236}">
+                      <a16:creationId xmlns:a16="http://schemas.microsoft.com/office/drawing/2014/main" id="{9E861AED-2F68-D44D-A62F-F0CE5B738806}"/>
+                    </a:ext>
+                  </a:extLst>
+                </p:cNvPr>
+                <p:cNvPicPr>
+                  <a:picLocks noChangeAspect="1" noChangeArrowheads="1"/>
+                </p:cNvPicPr>
+                <p:nvPr/>
+              </p:nvPicPr>
+              <p:blipFill rotWithShape="1">
+                <a:blip r:embed="rId9">
+                  <a:extLst>
+                    <a:ext uri="{BEBA8EAE-BF5A-486C-A8C5-ECC9F3942E4B}">
+                      <a14:imgProps xmlns:a14="http://schemas.microsoft.com/office/drawing/2010/main">
+                        <a14:imgLayer r:embed="rId10">
+                          <a14:imgEffect>
+                            <a14:saturation sat="0"/>
+                          </a14:imgEffect>
+                        </a14:imgLayer>
+                      </a14:imgProps>
+                    </a:ext>
+                    <a:ext uri="{28A0092B-C50C-407E-A947-70E740481C1C}">
+                      <a14:useLocalDpi xmlns:a14="http://schemas.microsoft.com/office/drawing/2010/main" val="0"/>
+                    </a:ext>
+                  </a:extLst>
+                </a:blip>
+                <a:srcRect l="47665" r="4872"/>
+                <a:stretch/>
+              </p:blipFill>
+              <p:spPr bwMode="auto">
+                <a:xfrm>
+                  <a:off x="8586952" y="3429000"/>
+                  <a:ext cx="2480441" cy="3149600"/>
+                </a:xfrm>
+                <a:prstGeom prst="rect">
+                  <a:avLst/>
+                </a:prstGeom>
+                <a:noFill/>
+                <a:extLst>
+                  <a:ext uri="{909E8E84-426E-40DD-AFC4-6F175D3DCCD1}">
+                    <a14:hiddenFill xmlns:a14="http://schemas.microsoft.com/office/drawing/2010/main">
+                      <a:solidFill>
+                        <a:srgbClr val="FFFFFF"/>
+                      </a:solidFill>
+                    </a14:hiddenFill>
+                  </a:ext>
+                </a:extLst>
+              </p:spPr>
+            </p:pic>
+            <p:pic>
+              <p:nvPicPr>
+                <p:cNvPr id="21" name="Picture 20" descr="A person that is standing in the grass&#10;&#10;Description automatically generated">
+                  <a:extLst>
+                    <a:ext uri="{FF2B5EF4-FFF2-40B4-BE49-F238E27FC236}">
+                      <a16:creationId xmlns:a16="http://schemas.microsoft.com/office/drawing/2014/main" id="{900E0ED5-C8C6-AC42-A5AD-4C53056C9F06}"/>
+                    </a:ext>
+                  </a:extLst>
+                </p:cNvPr>
+                <p:cNvPicPr>
+                  <a:picLocks noChangeAspect="1"/>
+                </p:cNvPicPr>
+                <p:nvPr/>
+              </p:nvPicPr>
+              <p:blipFill rotWithShape="1">
+                <a:blip r:embed="rId11">
+                  <a:extLst>
+                    <a:ext uri="{BEBA8EAE-BF5A-486C-A8C5-ECC9F3942E4B}">
+                      <a14:imgProps xmlns:a14="http://schemas.microsoft.com/office/drawing/2010/main">
+                        <a14:imgLayer r:embed="rId12">
+                          <a14:imgEffect>
+                            <a14:backgroundRemoval t="32333" b="57500" l="42750" r="55500">
+                              <a14:foregroundMark x1="46563" y1="35250" x2="49063" y2="35583"/>
+                              <a14:foregroundMark x1="48875" y1="34167" x2="53125" y2="41417"/>
+                              <a14:foregroundMark x1="42750" y1="41417" x2="45313" y2="34583"/>
+                              <a14:foregroundMark x1="45313" y1="34583" x2="50375" y2="32833"/>
+                              <a14:foregroundMark x1="50375" y1="32833" x2="54125" y2="37917"/>
+                              <a14:foregroundMark x1="54125" y1="37917" x2="54688" y2="44000"/>
+                              <a14:foregroundMark x1="47688" y1="32833" x2="52563" y2="35500"/>
+                              <a14:foregroundMark x1="52563" y1="35500" x2="55125" y2="41917"/>
+                              <a14:foregroundMark x1="55125" y1="41917" x2="55056" y2="42583"/>
+                              <a14:foregroundMark x1="50813" y1="33083" x2="54750" y2="38333"/>
+                              <a14:foregroundMark x1="54750" y1="38333" x2="54794" y2="42583"/>
+                              <a14:foregroundMark x1="49563" y1="32333" x2="54250" y2="36333"/>
+                              <a14:foregroundMark x1="54250" y1="36333" x2="54813" y2="41083"/>
+                              <a14:foregroundMark x1="50563" y1="32667" x2="52625" y2="33583"/>
+                              <a14:foregroundMark x1="51188" y1="32333" x2="51188" y2="32333"/>
+                              <a14:foregroundMark x1="51125" y1="32417" x2="51188" y2="32750"/>
+                              <a14:backgroundMark x1="43125" y1="52083" x2="42188" y2="50583"/>
+                              <a14:backgroundMark x1="43000" y1="48833" x2="44063" y2="51250"/>
+                              <a14:backgroundMark x1="43188" y1="48500" x2="43813" y2="50667"/>
+                              <a14:backgroundMark x1="43188" y1="47917" x2="44438" y2="51583"/>
+                              <a14:backgroundMark x1="42875" y1="46583" x2="42813" y2="45000"/>
+                              <a14:backgroundMark x1="44188" y1="52417" x2="47063" y2="57000"/>
+                              <a14:backgroundMark x1="47063" y1="57000" x2="47625" y2="58667"/>
+                              <a14:backgroundMark x1="55313" y1="45167" x2="55313" y2="46417"/>
+                              <a14:backgroundMark x1="53875" y1="48500" x2="53063" y2="51000"/>
+                              <a14:backgroundMark x1="55625" y1="42583" x2="55625" y2="49000"/>
+                            </a14:backgroundRemoval>
+                          </a14:imgEffect>
+                          <a14:imgEffect>
+                            <a14:saturation sat="0"/>
+                          </a14:imgEffect>
+                        </a14:imgLayer>
+                      </a14:imgProps>
+                    </a:ext>
+                  </a:extLst>
+                </a:blip>
+                <a:srcRect l="41172" t="31850" r="42847" b="39424"/>
+                <a:stretch/>
+              </p:blipFill>
+              <p:spPr>
+                <a:xfrm>
+                  <a:off x="9106215" y="3561008"/>
+                  <a:ext cx="1778657" cy="2397692"/>
+                </a:xfrm>
+                <a:prstGeom prst="ellipse">
+                  <a:avLst/>
+                </a:prstGeom>
+              </p:spPr>
+            </p:pic>
+          </p:grpSp>
+          <p:pic>
+            <p:nvPicPr>
+              <p:cNvPr id="19" name="Picture 18" descr="A picture containing person, indoor, photo, man&#10;&#10;Description automatically generated">
+                <a:extLst>
+                  <a:ext uri="{FF2B5EF4-FFF2-40B4-BE49-F238E27FC236}">
+                    <a16:creationId xmlns:a16="http://schemas.microsoft.com/office/drawing/2014/main" id="{A871A530-4B45-1247-9878-A33EC01B84D4}"/>
+                  </a:ext>
+                </a:extLst>
+              </p:cNvPr>
+              <p:cNvPicPr>
+                <a:picLocks noChangeAspect="1"/>
+              </p:cNvPicPr>
+              <p:nvPr/>
+            </p:nvPicPr>
+            <p:blipFill rotWithShape="1">
+              <a:blip r:embed="rId13"/>
+              <a:srcRect l="13545" t="60407" r="53009" b="17471"/>
+              <a:stretch/>
+            </p:blipFill>
+            <p:spPr>
+              <a:xfrm>
+                <a:off x="8702046" y="4452178"/>
+                <a:ext cx="1956629" cy="836904"/>
+              </a:xfrm>
+              <a:prstGeom prst="rect">
+                <a:avLst/>
+              </a:prstGeom>
+            </p:spPr>
+          </p:pic>
+        </p:grpSp>
+        <p:sp>
+          <p:nvSpPr>
+            <p:cNvPr id="27" name="Rectangle 26">
+              <a:extLst>
+                <a:ext uri="{FF2B5EF4-FFF2-40B4-BE49-F238E27FC236}">
+                  <a16:creationId xmlns:a16="http://schemas.microsoft.com/office/drawing/2014/main" id="{455D98BD-AF59-2F44-AF4E-71D14B639F20}"/>
+                </a:ext>
+              </a:extLst>
+            </p:cNvPr>
+            <p:cNvSpPr/>
+            <p:nvPr/>
+          </p:nvSpPr>
+          <p:spPr>
+            <a:xfrm>
+              <a:off x="6001978" y="5363033"/>
+              <a:ext cx="2947012" cy="436228"/>
+            </a:xfrm>
+            <a:prstGeom prst="rect">
+              <a:avLst/>
+            </a:prstGeom>
+            <a:solidFill>
+              <a:schemeClr val="tx1"/>
+            </a:solidFill>
+            <a:ln w="19050" cmpd="sng">
+              <a:noFill/>
+            </a:ln>
+            <a:effectLst/>
+          </p:spPr>
+          <p:style>
+            <a:lnRef idx="1">
+              <a:schemeClr val="accent1"/>
+            </a:lnRef>
+            <a:fillRef idx="3">
+              <a:schemeClr val="accent1"/>
+            </a:fillRef>
+            <a:effectRef idx="2">
+              <a:schemeClr val="accent1"/>
+            </a:effectRef>
+            <a:fontRef idx="minor">
+              <a:schemeClr val="lt1"/>
+            </a:fontRef>
+          </p:style>
+          <p:txBody>
+            <a:bodyPr rtlCol="0" anchor="ctr"/>
+            <a:lstStyle/>
+            <a:p>
+              <a:pPr algn="ctr"/>
+              <a:endParaRPr lang="en-US"/>
+            </a:p>
+          </p:txBody>
+        </p:sp>
+        <p:sp>
+          <p:nvSpPr>
+            <p:cNvPr id="28" name="Rectangle 27">
+              <a:extLst>
+                <a:ext uri="{FF2B5EF4-FFF2-40B4-BE49-F238E27FC236}">
+                  <a16:creationId xmlns:a16="http://schemas.microsoft.com/office/drawing/2014/main" id="{0D8EEF1E-CCBA-A047-857C-4AB2DD29C403}"/>
+                </a:ext>
+              </a:extLst>
+            </p:cNvPr>
+            <p:cNvSpPr/>
+            <p:nvPr/>
+          </p:nvSpPr>
+          <p:spPr>
+            <a:xfrm>
+              <a:off x="5965052" y="1714768"/>
+              <a:ext cx="2947012" cy="436228"/>
+            </a:xfrm>
+            <a:prstGeom prst="rect">
+              <a:avLst/>
+            </a:prstGeom>
+            <a:solidFill>
+              <a:schemeClr val="tx1"/>
+            </a:solidFill>
+            <a:ln w="19050" cmpd="sng">
+              <a:noFill/>
+            </a:ln>
+            <a:effectLst/>
+          </p:spPr>
+          <p:style>
+            <a:lnRef idx="1">
+              <a:schemeClr val="accent1"/>
+            </a:lnRef>
+            <a:fillRef idx="3">
+              <a:schemeClr val="accent1"/>
+            </a:fillRef>
+            <a:effectRef idx="2">
+              <a:schemeClr val="accent1"/>
+            </a:effectRef>
+            <a:fontRef idx="minor">
+              <a:schemeClr val="lt1"/>
+            </a:fontRef>
+          </p:style>
+          <p:txBody>
+            <a:bodyPr rtlCol="0" anchor="ctr"/>
+            <a:lstStyle/>
+            <a:p>
+              <a:pPr algn="ctr"/>
+              <a:endParaRPr lang="en-US"/>
+            </a:p>
+          </p:txBody>
+        </p:sp>
+        <p:sp>
+          <p:nvSpPr>
+            <p:cNvPr id="29" name="Rectangle 28">
+              <a:extLst>
+                <a:ext uri="{FF2B5EF4-FFF2-40B4-BE49-F238E27FC236}">
+                  <a16:creationId xmlns:a16="http://schemas.microsoft.com/office/drawing/2014/main" id="{3B2F2A32-67F0-7245-8334-7347C8565B92}"/>
+                </a:ext>
+              </a:extLst>
+            </p:cNvPr>
+            <p:cNvSpPr/>
+            <p:nvPr/>
+          </p:nvSpPr>
+          <p:spPr>
+            <a:xfrm>
+              <a:off x="5790559" y="1976381"/>
+              <a:ext cx="292358" cy="4220607"/>
+            </a:xfrm>
+            <a:prstGeom prst="rect">
+              <a:avLst/>
+            </a:prstGeom>
+            <a:solidFill>
+              <a:schemeClr val="tx1"/>
+            </a:solidFill>
+            <a:ln w="19050" cmpd="sng">
+              <a:noFill/>
+            </a:ln>
+            <a:effectLst/>
+          </p:spPr>
+          <p:style>
+            <a:lnRef idx="1">
+              <a:schemeClr val="accent1"/>
+            </a:lnRef>
+            <a:fillRef idx="3">
+              <a:schemeClr val="accent1"/>
+            </a:fillRef>
+            <a:effectRef idx="2">
+              <a:schemeClr val="accent1"/>
+            </a:effectRef>
+            <a:fontRef idx="minor">
+              <a:schemeClr val="lt1"/>
+            </a:fontRef>
+          </p:style>
+          <p:txBody>
+            <a:bodyPr rtlCol="0" anchor="ctr"/>
+            <a:lstStyle/>
+            <a:p>
+              <a:pPr algn="ctr"/>
+              <a:endParaRPr lang="en-US"/>
+            </a:p>
+          </p:txBody>
+        </p:sp>
+        <p:sp>
+          <p:nvSpPr>
+            <p:cNvPr id="30" name="Rectangle 29">
+              <a:extLst>
+                <a:ext uri="{FF2B5EF4-FFF2-40B4-BE49-F238E27FC236}">
+                  <a16:creationId xmlns:a16="http://schemas.microsoft.com/office/drawing/2014/main" id="{EAF00387-6794-464A-8A2B-FBBEA400B4FB}"/>
+                </a:ext>
+              </a:extLst>
+            </p:cNvPr>
+            <p:cNvSpPr/>
+            <p:nvPr/>
+          </p:nvSpPr>
+          <p:spPr>
+            <a:xfrm>
+              <a:off x="8639447" y="1976381"/>
+              <a:ext cx="292358" cy="4220607"/>
+            </a:xfrm>
+            <a:prstGeom prst="rect">
+              <a:avLst/>
+            </a:prstGeom>
+            <a:solidFill>
+              <a:schemeClr val="tx1"/>
+            </a:solidFill>
+            <a:ln w="19050" cmpd="sng">
+              <a:noFill/>
+            </a:ln>
+            <a:effectLst/>
+          </p:spPr>
+          <p:style>
+            <a:lnRef idx="1">
+              <a:schemeClr val="accent1"/>
+            </a:lnRef>
+            <a:fillRef idx="3">
+              <a:schemeClr val="accent1"/>
+            </a:fillRef>
+            <a:effectRef idx="2">
+              <a:schemeClr val="accent1"/>
+            </a:effectRef>
+            <a:fontRef idx="minor">
+              <a:schemeClr val="lt1"/>
+            </a:fontRef>
+          </p:style>
+          <p:txBody>
+            <a:bodyPr rtlCol="0" anchor="ctr"/>
+            <a:lstStyle/>
+            <a:p>
+              <a:pPr algn="ctr"/>
+              <a:endParaRPr lang="en-US"/>
+            </a:p>
+          </p:txBody>
+        </p:sp>
+      </p:grpSp>
+      <p:sp>
+        <p:nvSpPr>
+          <p:cNvPr id="34" name="Rounded Rectangle 33">
+            <a:extLst>
+              <a:ext uri="{FF2B5EF4-FFF2-40B4-BE49-F238E27FC236}">
+                <a16:creationId xmlns:a16="http://schemas.microsoft.com/office/drawing/2014/main" id="{F8239EF6-FA45-FA41-8023-305E39290DC5}"/>
+              </a:ext>
+            </a:extLst>
+          </p:cNvPr>
+          <p:cNvSpPr/>
+          <p:nvPr/>
+        </p:nvSpPr>
+        <p:spPr>
+          <a:xfrm rot="21366666">
+            <a:off x="664957" y="3751642"/>
+            <a:ext cx="1981200" cy="985548"/>
+          </a:xfrm>
+          <a:prstGeom prst="roundRect">
+            <a:avLst>
+              <a:gd name="adj" fmla="val 9045"/>
+            </a:avLst>
+          </a:prstGeom>
+          <a:noFill/>
+          <a:ln w="19050" cmpd="sng">
+            <a:noFill/>
+          </a:ln>
+          <a:effectLst/>
+        </p:spPr>
+        <p:style>
+          <a:lnRef idx="1">
+            <a:schemeClr val="accent1"/>
+          </a:lnRef>
+          <a:fillRef idx="3">
+            <a:schemeClr val="accent1"/>
+          </a:fillRef>
+          <a:effectRef idx="2">
+            <a:schemeClr val="accent1"/>
+          </a:effectRef>
+          <a:fontRef idx="minor">
+            <a:schemeClr val="lt1"/>
+          </a:fontRef>
+        </p:style>
+        <p:txBody>
+          <a:bodyPr rtlCol="0" anchor="ctr"/>
+          <a:lstStyle/>
+          <a:p>
+            <a:pPr algn="ctr"/>
+            <a:r>
+              <a:rPr lang="en-US" sz="2200" dirty="0">
+                <a:effectLst>
+                  <a:glow rad="127000">
+                    <a:schemeClr val="tx1"/>
+                  </a:glow>
+                </a:effectLst>
+                <a:latin typeface="Gill Sans" panose="020B0502020104020203" pitchFamily="34" charset="-79"/>
+                <a:ea typeface="Lato" panose="020F0502020204030203" pitchFamily="34" charset="0"/>
+                <a:cs typeface="Lato" panose="020F0502020204030203" pitchFamily="34" charset="0"/>
+              </a:rPr>
+              <a:t>GEURTS</a:t>
+            </a:r>
+          </a:p>
+        </p:txBody>
+      </p:sp>
+      <p:sp>
+        <p:nvSpPr>
+          <p:cNvPr id="35" name="Rounded Rectangle 34">
+            <a:extLst>
+              <a:ext uri="{FF2B5EF4-FFF2-40B4-BE49-F238E27FC236}">
+                <a16:creationId xmlns:a16="http://schemas.microsoft.com/office/drawing/2014/main" id="{F1051DE3-96FD-1C46-B113-30F41F12D259}"/>
+              </a:ext>
+            </a:extLst>
+          </p:cNvPr>
+          <p:cNvSpPr/>
+          <p:nvPr/>
+        </p:nvSpPr>
+        <p:spPr>
+          <a:xfrm>
+            <a:off x="3314787" y="3811173"/>
+            <a:ext cx="1981200" cy="985548"/>
+          </a:xfrm>
+          <a:prstGeom prst="roundRect">
+            <a:avLst>
+              <a:gd name="adj" fmla="val 9045"/>
+            </a:avLst>
+          </a:prstGeom>
+          <a:noFill/>
+          <a:ln w="19050" cmpd="sng">
+            <a:noFill/>
+          </a:ln>
+          <a:effectLst/>
+        </p:spPr>
+        <p:style>
+          <a:lnRef idx="1">
+            <a:schemeClr val="accent1"/>
+          </a:lnRef>
+          <a:fillRef idx="3">
+            <a:schemeClr val="accent1"/>
+          </a:fillRef>
+          <a:effectRef idx="2">
+            <a:schemeClr val="accent1"/>
+          </a:effectRef>
+          <a:fontRef idx="minor">
+            <a:schemeClr val="lt1"/>
+          </a:fontRef>
+        </p:style>
+        <p:txBody>
+          <a:bodyPr rtlCol="0" anchor="ctr"/>
+          <a:lstStyle/>
+          <a:p>
+            <a:pPr algn="ctr"/>
+            <a:r>
+              <a:rPr lang="en-US" sz="2200" dirty="0">
+                <a:effectLst>
+                  <a:glow rad="127000">
+                    <a:schemeClr val="tx1"/>
+                  </a:glow>
+                </a:effectLst>
+                <a:latin typeface="Gill Sans" panose="020B0502020104020203" pitchFamily="34" charset="-79"/>
+                <a:ea typeface="Lato" panose="020F0502020204030203" pitchFamily="34" charset="0"/>
+                <a:cs typeface="Lato" panose="020F0502020204030203" pitchFamily="34" charset="0"/>
+              </a:rPr>
+              <a:t>SINIGAGLIA</a:t>
+            </a:r>
+          </a:p>
+        </p:txBody>
+      </p:sp>
+      <p:sp>
+        <p:nvSpPr>
+          <p:cNvPr id="36" name="Rounded Rectangle 35">
+            <a:extLst>
+              <a:ext uri="{FF2B5EF4-FFF2-40B4-BE49-F238E27FC236}">
+                <a16:creationId xmlns:a16="http://schemas.microsoft.com/office/drawing/2014/main" id="{39C1B501-8178-D44E-9409-0A7AE357FCD5}"/>
+              </a:ext>
+            </a:extLst>
+          </p:cNvPr>
+          <p:cNvSpPr/>
+          <p:nvPr/>
+        </p:nvSpPr>
+        <p:spPr>
+          <a:xfrm rot="189395">
+            <a:off x="6309407" y="3374884"/>
+            <a:ext cx="1981200" cy="985548"/>
+          </a:xfrm>
+          <a:prstGeom prst="roundRect">
+            <a:avLst>
+              <a:gd name="adj" fmla="val 9045"/>
+            </a:avLst>
+          </a:prstGeom>
+          <a:noFill/>
+          <a:ln w="19050" cmpd="sng">
+            <a:noFill/>
+          </a:ln>
+          <a:effectLst/>
+        </p:spPr>
+        <p:style>
+          <a:lnRef idx="1">
+            <a:schemeClr val="accent1"/>
+          </a:lnRef>
+          <a:fillRef idx="3">
+            <a:schemeClr val="accent1"/>
+          </a:fillRef>
+          <a:effectRef idx="2">
+            <a:schemeClr val="accent1"/>
+          </a:effectRef>
+          <a:fontRef idx="minor">
+            <a:schemeClr val="lt1"/>
+          </a:fontRef>
+        </p:style>
+        <p:txBody>
+          <a:bodyPr rtlCol="0" anchor="ctr"/>
+          <a:lstStyle/>
+          <a:p>
+            <a:pPr algn="ctr"/>
+            <a:r>
+              <a:rPr lang="en-US" sz="2200" dirty="0">
+                <a:effectLst>
+                  <a:glow rad="127000">
+                    <a:schemeClr val="tx1"/>
+                  </a:glow>
+                </a:effectLst>
+                <a:latin typeface="Gill Sans" panose="020B0502020104020203" pitchFamily="34" charset="-79"/>
+                <a:ea typeface="Lato" panose="020F0502020204030203" pitchFamily="34" charset="0"/>
+                <a:cs typeface="Lato" panose="020F0502020204030203" pitchFamily="34" charset="0"/>
+              </a:rPr>
+              <a:t>WONG</a:t>
+            </a:r>
+          </a:p>
+        </p:txBody>
+      </p:sp>
+      <p:pic>
+        <p:nvPicPr>
+          <p:cNvPr id="37" name="Picture 2">
+            <a:extLst>
+              <a:ext uri="{FF2B5EF4-FFF2-40B4-BE49-F238E27FC236}">
+                <a16:creationId xmlns:a16="http://schemas.microsoft.com/office/drawing/2014/main" id="{347BCB60-0224-3243-B60B-288378034807}"/>
+              </a:ext>
+            </a:extLst>
+          </p:cNvPr>
+          <p:cNvPicPr>
+            <a:picLocks noChangeAspect="1" noChangeArrowheads="1"/>
+          </p:cNvPicPr>
+          <p:nvPr/>
+        </p:nvPicPr>
+        <p:blipFill rotWithShape="1">
+          <a:blip r:embed="rId3">
+            <a:extLst>
+              <a:ext uri="{28A0092B-C50C-407E-A947-70E740481C1C}">
+                <a14:useLocalDpi xmlns:a14="http://schemas.microsoft.com/office/drawing/2010/main" val="0"/>
+              </a:ext>
+            </a:extLst>
+          </a:blip>
+          <a:srcRect l="14671" t="2028" r="27286" b="86682"/>
+          <a:stretch/>
+        </p:blipFill>
+        <p:spPr bwMode="auto">
+          <a:xfrm>
+            <a:off x="3248085" y="865132"/>
+            <a:ext cx="1940970" cy="513191"/>
+          </a:xfrm>
+          <a:prstGeom prst="rect">
+            <a:avLst/>
+          </a:prstGeom>
+          <a:noFill/>
+          <a:extLst>
+            <a:ext uri="{909E8E84-426E-40DD-AFC4-6F175D3DCCD1}">
+              <a14:hiddenFill xmlns:a14="http://schemas.microsoft.com/office/drawing/2010/main">
+                <a:solidFill>
+                  <a:srgbClr val="FFFFFF"/>
+                </a:solidFill>
+              </a14:hiddenFill>
+            </a:ext>
+          </a:extLst>
+        </p:spPr>
+      </p:pic>
+      <p:pic>
+        <p:nvPicPr>
+          <p:cNvPr id="25" name="Picture 2" descr="FRANK SINATRA MUG SHOT GLOSSY POSTER PICTURE PHOTO mugshot ...">
+            <a:extLst>
+              <a:ext uri="{FF2B5EF4-FFF2-40B4-BE49-F238E27FC236}">
+                <a16:creationId xmlns:a16="http://schemas.microsoft.com/office/drawing/2014/main" id="{482EF42C-F972-2840-A058-8082DF474BC8}"/>
+              </a:ext>
+            </a:extLst>
+          </p:cNvPr>
+          <p:cNvPicPr>
+            <a:picLocks noChangeAspect="1" noChangeArrowheads="1"/>
+          </p:cNvPicPr>
+          <p:nvPr/>
+        </p:nvPicPr>
+        <p:blipFill rotWithShape="1">
+          <a:blip r:embed="rId14">
+            <a:extLst>
+              <a:ext uri="{BEBA8EAE-BF5A-486C-A8C5-ECC9F3942E4B}">
+                <a14:imgProps xmlns:a14="http://schemas.microsoft.com/office/drawing/2010/main">
+                  <a14:imgLayer r:embed="rId15">
+                    <a14:imgEffect>
+                      <a14:backgroundRemoval t="4071" b="30407" l="7100" r="36000">
+                        <a14:foregroundMark x1="7100" y1="17557" x2="8600" y2="24427"/>
+                        <a14:foregroundMark x1="34200" y1="20102" x2="34900" y2="25827"/>
+                        <a14:foregroundMark x1="34400" y1="30534" x2="36000" y2="22010"/>
+                        <a14:foregroundMark x1="19500" y1="4071" x2="24800" y2="4580"/>
+                        <a14:foregroundMark x1="16000" y1="5471" x2="16000" y2="5471"/>
+                        <a14:foregroundMark x1="16000" y1="5471" x2="16700" y2="6361"/>
+                        <a14:foregroundMark x1="26500" y1="23155" x2="26500" y2="23155"/>
+                        <a14:foregroundMark x1="26500" y1="22392" x2="26500" y2="22392"/>
+                      </a14:backgroundRemoval>
+                    </a14:imgEffect>
+                  </a14:imgLayer>
+                </a14:imgProps>
+              </a:ext>
+              <a:ext uri="{28A0092B-C50C-407E-A947-70E740481C1C}">
+                <a14:useLocalDpi xmlns:a14="http://schemas.microsoft.com/office/drawing/2010/main" val="0"/>
+              </a:ext>
+            </a:extLst>
+          </a:blip>
+          <a:srcRect l="4339" t="6977" r="62117" b="69446"/>
+          <a:stretch/>
+        </p:blipFill>
+        <p:spPr bwMode="auto">
+          <a:xfrm>
+            <a:off x="650922" y="826438"/>
+            <a:ext cx="1976422" cy="1091874"/>
+          </a:xfrm>
+          <a:prstGeom prst="rect">
+            <a:avLst/>
+          </a:prstGeom>
+          <a:noFill/>
+          <a:extLst>
+            <a:ext uri="{909E8E84-426E-40DD-AFC4-6F175D3DCCD1}">
+              <a14:hiddenFill xmlns:a14="http://schemas.microsoft.com/office/drawing/2010/main">
+                <a:solidFill>
+                  <a:srgbClr val="FFFFFF"/>
+                </a:solidFill>
+              </a14:hiddenFill>
+            </a:ext>
+          </a:extLst>
+        </p:spPr>
+      </p:pic>
+    </p:spTree>
+    <p:extLst>
+      <p:ext uri="{BB962C8B-B14F-4D97-AF65-F5344CB8AC3E}">
+        <p14:creationId xmlns:p14="http://schemas.microsoft.com/office/powerpoint/2010/main" val="3633980716"/>
       </p:ext>
     </p:extLst>
   </p:cSld>
